--- a/projectB.pptx
+++ b/projectB.pptx
@@ -7110,8 +7110,102 @@
         </p:blipFill>
         <p:spPr bwMode="auto">
           <a:xfrm>
-            <a:off x="4534734" y="390986"/>
-            <a:ext cx="5037104" cy="5857413"/>
+            <a:off x="2781435" y="964484"/>
+            <a:ext cx="4543922" cy="5283915"/>
+          </a:xfrm>
+          <a:prstGeom prst="rect">
+            <a:avLst/>
+          </a:prstGeom>
+          <a:noFill/>
+          <a:extLst>
+            <a:ext uri="{909E8E84-426E-40DD-AFC4-6F175D3DCCD1}">
+              <a14:hiddenFill xmlns:a14="http://schemas.microsoft.com/office/drawing/2010/main">
+                <a:solidFill>
+                  <a:srgbClr val="FFFFFF"/>
+                </a:solidFill>
+              </a14:hiddenFill>
+            </a:ext>
+          </a:extLst>
+        </p:spPr>
+      </p:pic>
+      <p:pic>
+        <p:nvPicPr>
+          <p:cNvPr id="6150" name="Picture 6">
+            <a:extLst>
+              <a:ext uri="{FF2B5EF4-FFF2-40B4-BE49-F238E27FC236}">
+                <a16:creationId xmlns:a16="http://schemas.microsoft.com/office/drawing/2014/main" id="{99AAC0BF-7694-554B-B235-B748F335B23E}"/>
+              </a:ext>
+            </a:extLst>
+          </p:cNvPr>
+          <p:cNvPicPr>
+            <a:picLocks noChangeAspect="1" noChangeArrowheads="1"/>
+          </p:cNvPicPr>
+          <p:nvPr/>
+        </p:nvPicPr>
+        <p:blipFill>
+          <a:blip r:embed="rId3">
+            <a:extLst>
+              <a:ext uri="{28A0092B-C50C-407E-A947-70E740481C1C}">
+                <a14:useLocalDpi xmlns:a14="http://schemas.microsoft.com/office/drawing/2010/main" val="0"/>
+              </a:ext>
+            </a:extLst>
+          </a:blip>
+          <a:srcRect/>
+          <a:stretch>
+            <a:fillRect/>
+          </a:stretch>
+        </p:blipFill>
+        <p:spPr bwMode="auto">
+          <a:xfrm>
+            <a:off x="7993884" y="3541738"/>
+            <a:ext cx="3192794" cy="3218873"/>
+          </a:xfrm>
+          <a:prstGeom prst="rect">
+            <a:avLst/>
+          </a:prstGeom>
+          <a:noFill/>
+          <a:extLst>
+            <a:ext uri="{909E8E84-426E-40DD-AFC4-6F175D3DCCD1}">
+              <a14:hiddenFill xmlns:a14="http://schemas.microsoft.com/office/drawing/2010/main">
+                <a:solidFill>
+                  <a:srgbClr val="FFFFFF"/>
+                </a:solidFill>
+              </a14:hiddenFill>
+            </a:ext>
+          </a:extLst>
+        </p:spPr>
+      </p:pic>
+      <p:pic>
+        <p:nvPicPr>
+          <p:cNvPr id="6152" name="Picture 8">
+            <a:extLst>
+              <a:ext uri="{FF2B5EF4-FFF2-40B4-BE49-F238E27FC236}">
+                <a16:creationId xmlns:a16="http://schemas.microsoft.com/office/drawing/2014/main" id="{B1548D6A-E7FA-474B-8125-7AD31D6AD721}"/>
+              </a:ext>
+            </a:extLst>
+          </p:cNvPr>
+          <p:cNvPicPr>
+            <a:picLocks noChangeAspect="1" noChangeArrowheads="1"/>
+          </p:cNvPicPr>
+          <p:nvPr/>
+        </p:nvPicPr>
+        <p:blipFill>
+          <a:blip r:embed="rId4">
+            <a:extLst>
+              <a:ext uri="{28A0092B-C50C-407E-A947-70E740481C1C}">
+                <a14:useLocalDpi xmlns:a14="http://schemas.microsoft.com/office/drawing/2010/main" val="0"/>
+              </a:ext>
+            </a:extLst>
+          </a:blip>
+          <a:srcRect/>
+          <a:stretch>
+            <a:fillRect/>
+          </a:stretch>
+        </p:blipFill>
+        <p:spPr bwMode="auto">
+          <a:xfrm>
+            <a:off x="7993884" y="97389"/>
+            <a:ext cx="3192794" cy="3330003"/>
           </a:xfrm>
           <a:prstGeom prst="rect">
             <a:avLst/>
@@ -7212,6 +7306,53 @@
           </a:p>
         </p:txBody>
       </p:sp>
+      <p:pic>
+        <p:nvPicPr>
+          <p:cNvPr id="7170" name="Picture 2">
+            <a:extLst>
+              <a:ext uri="{FF2B5EF4-FFF2-40B4-BE49-F238E27FC236}">
+                <a16:creationId xmlns:a16="http://schemas.microsoft.com/office/drawing/2014/main" id="{5A785185-1BF0-634C-AC75-B42FACBF8445}"/>
+              </a:ext>
+            </a:extLst>
+          </p:cNvPr>
+          <p:cNvPicPr>
+            <a:picLocks noChangeAspect="1" noChangeArrowheads="1"/>
+          </p:cNvPicPr>
+          <p:nvPr/>
+        </p:nvPicPr>
+        <p:blipFill>
+          <a:blip r:embed="rId2">
+            <a:extLst>
+              <a:ext uri="{28A0092B-C50C-407E-A947-70E740481C1C}">
+                <a14:useLocalDpi xmlns:a14="http://schemas.microsoft.com/office/drawing/2010/main" val="0"/>
+              </a:ext>
+            </a:extLst>
+          </a:blip>
+          <a:srcRect/>
+          <a:stretch>
+            <a:fillRect/>
+          </a:stretch>
+        </p:blipFill>
+        <p:spPr bwMode="auto">
+          <a:xfrm>
+            <a:off x="3534875" y="2120945"/>
+            <a:ext cx="7828790" cy="2883808"/>
+          </a:xfrm>
+          <a:prstGeom prst="rect">
+            <a:avLst/>
+          </a:prstGeom>
+          <a:noFill/>
+          <a:extLst>
+            <a:ext uri="{909E8E84-426E-40DD-AFC4-6F175D3DCCD1}">
+              <a14:hiddenFill xmlns:a14="http://schemas.microsoft.com/office/drawing/2010/main">
+                <a:solidFill>
+                  <a:srgbClr val="FFFFFF"/>
+                </a:solidFill>
+              </a14:hiddenFill>
+            </a:ext>
+          </a:extLst>
+        </p:spPr>
+      </p:pic>
     </p:spTree>
     <p:extLst>
       <p:ext uri="{BB962C8B-B14F-4D97-AF65-F5344CB8AC3E}">
